--- a/DQM Knapsack for COVID Vaccine Distribution.pptx
+++ b/DQM Knapsack for COVID Vaccine Distribution.pptx
@@ -112,6 +112,11 @@
       </a:defRPr>
     </a:lvl9pPr>
   </p:defaultTextStyle>
+  <p:extLst>
+    <p:ext uri="{EFAFB233-063F-42B5-8137-9DF3F51BA10A}">
+      <p15:sldGuideLst xmlns:p15="http://schemas.microsoft.com/office/powerpoint/2012/main"/>
+    </p:ext>
+  </p:extLst>
 </p:presentation>
 </file>
 

--- a/DQM Knapsack for COVID Vaccine Distribution.pptx
+++ b/DQM Knapsack for COVID Vaccine Distribution.pptx
@@ -112,11 +112,6 @@
       </a:defRPr>
     </a:lvl9pPr>
   </p:defaultTextStyle>
-  <p:extLst>
-    <p:ext uri="{EFAFB233-063F-42B5-8137-9DF3F51BA10A}">
-      <p15:sldGuideLst xmlns:p15="http://schemas.microsoft.com/office/powerpoint/2012/main"/>
-    </p:ext>
-  </p:extLst>
 </p:presentation>
 </file>
 

--- a/DQM Knapsack for COVID Vaccine Distribution.pptx
+++ b/DQM Knapsack for COVID Vaccine Distribution.pptx
@@ -9,11 +9,10 @@
     <p:sldId id="263" r:id="rId3"/>
     <p:sldId id="264" r:id="rId4"/>
     <p:sldId id="257" r:id="rId5"/>
-    <p:sldId id="258" r:id="rId6"/>
-    <p:sldId id="260" r:id="rId7"/>
-    <p:sldId id="259" r:id="rId8"/>
-    <p:sldId id="261" r:id="rId9"/>
-    <p:sldId id="262" r:id="rId10"/>
+    <p:sldId id="260" r:id="rId6"/>
+    <p:sldId id="259" r:id="rId7"/>
+    <p:sldId id="261" r:id="rId8"/>
+    <p:sldId id="262" r:id="rId9"/>
   </p:sldIdLst>
   <p:sldSz cx="12192000" cy="6858000"/>
   <p:notesSz cx="6858000" cy="9144000"/>
@@ -112,6 +111,11 @@
       </a:defRPr>
     </a:lvl9pPr>
   </p:defaultTextStyle>
+  <p:extLst>
+    <p:ext uri="{EFAFB233-063F-42B5-8137-9DF3F51BA10A}">
+      <p15:sldGuideLst xmlns:p15="http://schemas.microsoft.com/office/powerpoint/2012/main"/>
+    </p:ext>
+  </p:extLst>
 </p:presentation>
 </file>
 
@@ -3807,78 +3811,55 @@
       </p:grpSpPr>
       <p:pic>
         <p:nvPicPr>
-          <p:cNvPr id="5" name="Picture 4">
-            <a:extLst>
-              <a:ext uri="{FF2B5EF4-FFF2-40B4-BE49-F238E27FC236}">
-                <a16:creationId xmlns:a16="http://schemas.microsoft.com/office/drawing/2014/main" id="{87304E36-2801-483F-B030-6C191C67888B}"/>
+          <p:cNvPr id="1026" name="Picture 2">
+            <a:extLst>
+              <a:ext uri="{FF2B5EF4-FFF2-40B4-BE49-F238E27FC236}">
+                <a16:creationId xmlns:a16="http://schemas.microsoft.com/office/drawing/2014/main" id="{989394C9-0947-4C06-9078-F8B707C0349B}"/>
               </a:ext>
             </a:extLst>
           </p:cNvPr>
           <p:cNvPicPr>
-            <a:picLocks noChangeAspect="1"/>
+            <a:picLocks noChangeAspect="1" noChangeArrowheads="1"/>
           </p:cNvPicPr>
           <p:nvPr/>
         </p:nvPicPr>
-        <p:blipFill>
-          <a:blip r:embed="rId2"/>
-          <a:stretch>
-            <a:fillRect/>
-          </a:stretch>
+        <p:blipFill rotWithShape="1">
+          <a:blip r:embed="rId2">
+            <a:extLst>
+              <a:ext uri="{28A0092B-C50C-407E-A947-70E740481C1C}">
+                <a14:useLocalDpi xmlns:a14="http://schemas.microsoft.com/office/drawing/2010/main" val="0"/>
+              </a:ext>
+            </a:extLst>
+          </a:blip>
+          <a:srcRect l="16869" t="17330" r="16655" b="20376"/>
+          <a:stretch/>
         </p:blipFill>
-        <p:spPr>
+        <p:spPr bwMode="auto">
           <a:xfrm>
-            <a:off x="2613124" y="460720"/>
-            <a:ext cx="9202359" cy="5936560"/>
-          </a:xfrm>
-          <a:prstGeom prst="rect">
-            <a:avLst/>
-          </a:prstGeom>
-        </p:spPr>
-      </p:pic>
-      <p:sp>
-        <p:nvSpPr>
-          <p:cNvPr id="9" name="TextBox 8">
-            <a:extLst>
-              <a:ext uri="{FF2B5EF4-FFF2-40B4-BE49-F238E27FC236}">
-                <a16:creationId xmlns:a16="http://schemas.microsoft.com/office/drawing/2014/main" id="{B74A112E-4AE7-4DBA-8BB7-C17250CAD4F5}"/>
-              </a:ext>
-            </a:extLst>
-          </p:cNvPr>
-          <p:cNvSpPr txBox="1"/>
-          <p:nvPr/>
-        </p:nvSpPr>
-        <p:spPr>
-          <a:xfrm>
-            <a:off x="376517" y="5983959"/>
-            <a:ext cx="1290918" cy="523220"/>
+            <a:off x="2756290" y="112059"/>
+            <a:ext cx="9435710" cy="6633882"/>
           </a:xfrm>
           <a:prstGeom prst="rect">
             <a:avLst/>
           </a:prstGeom>
           <a:noFill/>
+          <a:extLst>
+            <a:ext uri="{909E8E84-426E-40DD-AFC4-6F175D3DCCD1}">
+              <a14:hiddenFill xmlns:a14="http://schemas.microsoft.com/office/drawing/2010/main">
+                <a:solidFill>
+                  <a:srgbClr val="FFFFFF"/>
+                </a:solidFill>
+              </a14:hiddenFill>
+            </a:ext>
+          </a:extLst>
         </p:spPr>
-        <p:txBody>
-          <a:bodyPr wrap="square">
-            <a:spAutoFit/>
-          </a:bodyPr>
-          <a:lstStyle/>
-          <a:p>
-            <a:r>
-              <a:rPr lang="en-US" sz="2800" dirty="0">
-                <a:hlinkClick r:id="rId3"/>
-              </a:rPr>
-              <a:t>Source</a:t>
-            </a:r>
-            <a:endParaRPr lang="en-US" sz="2800" dirty="0"/>
-          </a:p>
-        </p:txBody>
-      </p:sp>
-      <p:sp>
-        <p:nvSpPr>
-          <p:cNvPr id="13" name="Subtitle 2">
-            <a:extLst>
-              <a:ext uri="{FF2B5EF4-FFF2-40B4-BE49-F238E27FC236}">
-                <a16:creationId xmlns:a16="http://schemas.microsoft.com/office/drawing/2014/main" id="{7B32AAD3-BB1D-48E9-BB78-4D259519D2AA}"/>
+      </p:pic>
+      <p:sp>
+        <p:nvSpPr>
+          <p:cNvPr id="7" name="Subtitle 2">
+            <a:extLst>
+              <a:ext uri="{FF2B5EF4-FFF2-40B4-BE49-F238E27FC236}">
+                <a16:creationId xmlns:a16="http://schemas.microsoft.com/office/drawing/2014/main" id="{C04536B8-911A-479F-B9C7-33471F6EF833}"/>
               </a:ext>
             </a:extLst>
           </p:cNvPr>
@@ -3889,8 +3870,8 @@
         </p:nvSpPr>
         <p:spPr>
           <a:xfrm>
-            <a:off x="322728" y="2638004"/>
-            <a:ext cx="1990165" cy="2238795"/>
+            <a:off x="322728" y="2638005"/>
+            <a:ext cx="1990165" cy="1581990"/>
           </a:xfrm>
           <a:prstGeom prst="rect">
             <a:avLst/>
@@ -4072,286 +4053,6 @@
               <a:rPr lang="en-US" dirty="0">
                 <a:latin typeface="Consolas" panose="020B0609020204030204" pitchFamily="49" charset="0"/>
               </a:rPr>
-              <a:t>DQM Rock-Paper-Scissors</a:t>
-            </a:r>
-            <a:endParaRPr lang="en-US" dirty="0"/>
-          </a:p>
-        </p:txBody>
-      </p:sp>
-    </p:spTree>
-    <p:extLst>
-      <p:ext uri="{BB962C8B-B14F-4D97-AF65-F5344CB8AC3E}">
-        <p14:creationId xmlns:p14="http://schemas.microsoft.com/office/powerpoint/2010/main" val="550665359"/>
-      </p:ext>
-    </p:extLst>
-  </p:cSld>
-  <p:clrMapOvr>
-    <a:masterClrMapping/>
-  </p:clrMapOvr>
-</p:sld>
-</file>
-
-<file path=ppt/slides/slide6.xml><?xml version="1.0" encoding="utf-8"?>
-<p:sld xmlns:a="http://schemas.openxmlformats.org/drawingml/2006/main" xmlns:r="http://schemas.openxmlformats.org/officeDocument/2006/relationships" xmlns:p="http://schemas.openxmlformats.org/presentationml/2006/main">
-  <p:cSld>
-    <p:spTree>
-      <p:nvGrpSpPr>
-        <p:cNvPr id="1" name=""/>
-        <p:cNvGrpSpPr/>
-        <p:nvPr/>
-      </p:nvGrpSpPr>
-      <p:grpSpPr>
-        <a:xfrm>
-          <a:off x="0" y="0"/>
-          <a:ext cx="0" cy="0"/>
-          <a:chOff x="0" y="0"/>
-          <a:chExt cx="0" cy="0"/>
-        </a:xfrm>
-      </p:grpSpPr>
-      <p:pic>
-        <p:nvPicPr>
-          <p:cNvPr id="1026" name="Picture 2">
-            <a:extLst>
-              <a:ext uri="{FF2B5EF4-FFF2-40B4-BE49-F238E27FC236}">
-                <a16:creationId xmlns:a16="http://schemas.microsoft.com/office/drawing/2014/main" id="{989394C9-0947-4C06-9078-F8B707C0349B}"/>
-              </a:ext>
-            </a:extLst>
-          </p:cNvPr>
-          <p:cNvPicPr>
-            <a:picLocks noChangeAspect="1" noChangeArrowheads="1"/>
-          </p:cNvPicPr>
-          <p:nvPr/>
-        </p:nvPicPr>
-        <p:blipFill rotWithShape="1">
-          <a:blip r:embed="rId2">
-            <a:extLst>
-              <a:ext uri="{28A0092B-C50C-407E-A947-70E740481C1C}">
-                <a14:useLocalDpi xmlns:a14="http://schemas.microsoft.com/office/drawing/2010/main" val="0"/>
-              </a:ext>
-            </a:extLst>
-          </a:blip>
-          <a:srcRect l="16869" t="17330" r="16655" b="20376"/>
-          <a:stretch/>
-        </p:blipFill>
-        <p:spPr bwMode="auto">
-          <a:xfrm>
-            <a:off x="2756290" y="112059"/>
-            <a:ext cx="9435710" cy="6633882"/>
-          </a:xfrm>
-          <a:prstGeom prst="rect">
-            <a:avLst/>
-          </a:prstGeom>
-          <a:noFill/>
-          <a:extLst>
-            <a:ext uri="{909E8E84-426E-40DD-AFC4-6F175D3DCCD1}">
-              <a14:hiddenFill xmlns:a14="http://schemas.microsoft.com/office/drawing/2010/main">
-                <a:solidFill>
-                  <a:srgbClr val="FFFFFF"/>
-                </a:solidFill>
-              </a14:hiddenFill>
-            </a:ext>
-          </a:extLst>
-        </p:spPr>
-      </p:pic>
-      <p:sp>
-        <p:nvSpPr>
-          <p:cNvPr id="7" name="Subtitle 2">
-            <a:extLst>
-              <a:ext uri="{FF2B5EF4-FFF2-40B4-BE49-F238E27FC236}">
-                <a16:creationId xmlns:a16="http://schemas.microsoft.com/office/drawing/2014/main" id="{C04536B8-911A-479F-B9C7-33471F6EF833}"/>
-              </a:ext>
-            </a:extLst>
-          </p:cNvPr>
-          <p:cNvSpPr txBox="1">
-            <a:spLocks/>
-          </p:cNvSpPr>
-          <p:nvPr/>
-        </p:nvSpPr>
-        <p:spPr>
-          <a:xfrm>
-            <a:off x="322728" y="2638005"/>
-            <a:ext cx="1990165" cy="1581990"/>
-          </a:xfrm>
-          <a:prstGeom prst="rect">
-            <a:avLst/>
-          </a:prstGeom>
-        </p:spPr>
-        <p:txBody>
-          <a:bodyPr vert="horz" lIns="91440" tIns="45720" rIns="91440" bIns="45720" rtlCol="0">
-            <a:normAutofit/>
-          </a:bodyPr>
-          <a:lstStyle>
-            <a:lvl1pPr marL="228600" indent="-228600" algn="l" defTabSz="914400" rtl="0" eaLnBrk="1" latinLnBrk="0" hangingPunct="1">
-              <a:lnSpc>
-                <a:spcPct val="90000"/>
-              </a:lnSpc>
-              <a:spcBef>
-                <a:spcPts val="1000"/>
-              </a:spcBef>
-              <a:buFont typeface="Arial" panose="020B0604020202020204" pitchFamily="34" charset="0"/>
-              <a:buChar char="•"/>
-              <a:defRPr sz="2800" kern="1200">
-                <a:solidFill>
-                  <a:schemeClr val="tx1"/>
-                </a:solidFill>
-                <a:latin typeface="+mn-lt"/>
-                <a:ea typeface="+mn-ea"/>
-                <a:cs typeface="+mn-cs"/>
-              </a:defRPr>
-            </a:lvl1pPr>
-            <a:lvl2pPr marL="685800" indent="-228600" algn="l" defTabSz="914400" rtl="0" eaLnBrk="1" latinLnBrk="0" hangingPunct="1">
-              <a:lnSpc>
-                <a:spcPct val="90000"/>
-              </a:lnSpc>
-              <a:spcBef>
-                <a:spcPts val="500"/>
-              </a:spcBef>
-              <a:buFont typeface="Arial" panose="020B0604020202020204" pitchFamily="34" charset="0"/>
-              <a:buChar char="•"/>
-              <a:defRPr sz="2400" kern="1200">
-                <a:solidFill>
-                  <a:schemeClr val="tx1"/>
-                </a:solidFill>
-                <a:latin typeface="+mn-lt"/>
-                <a:ea typeface="+mn-ea"/>
-                <a:cs typeface="+mn-cs"/>
-              </a:defRPr>
-            </a:lvl2pPr>
-            <a:lvl3pPr marL="1143000" indent="-228600" algn="l" defTabSz="914400" rtl="0" eaLnBrk="1" latinLnBrk="0" hangingPunct="1">
-              <a:lnSpc>
-                <a:spcPct val="90000"/>
-              </a:lnSpc>
-              <a:spcBef>
-                <a:spcPts val="500"/>
-              </a:spcBef>
-              <a:buFont typeface="Arial" panose="020B0604020202020204" pitchFamily="34" charset="0"/>
-              <a:buChar char="•"/>
-              <a:defRPr sz="2000" kern="1200">
-                <a:solidFill>
-                  <a:schemeClr val="tx1"/>
-                </a:solidFill>
-                <a:latin typeface="+mn-lt"/>
-                <a:ea typeface="+mn-ea"/>
-                <a:cs typeface="+mn-cs"/>
-              </a:defRPr>
-            </a:lvl3pPr>
-            <a:lvl4pPr marL="1600200" indent="-228600" algn="l" defTabSz="914400" rtl="0" eaLnBrk="1" latinLnBrk="0" hangingPunct="1">
-              <a:lnSpc>
-                <a:spcPct val="90000"/>
-              </a:lnSpc>
-              <a:spcBef>
-                <a:spcPts val="500"/>
-              </a:spcBef>
-              <a:buFont typeface="Arial" panose="020B0604020202020204" pitchFamily="34" charset="0"/>
-              <a:buChar char="•"/>
-              <a:defRPr sz="1800" kern="1200">
-                <a:solidFill>
-                  <a:schemeClr val="tx1"/>
-                </a:solidFill>
-                <a:latin typeface="+mn-lt"/>
-                <a:ea typeface="+mn-ea"/>
-                <a:cs typeface="+mn-cs"/>
-              </a:defRPr>
-            </a:lvl4pPr>
-            <a:lvl5pPr marL="2057400" indent="-228600" algn="l" defTabSz="914400" rtl="0" eaLnBrk="1" latinLnBrk="0" hangingPunct="1">
-              <a:lnSpc>
-                <a:spcPct val="90000"/>
-              </a:lnSpc>
-              <a:spcBef>
-                <a:spcPts val="500"/>
-              </a:spcBef>
-              <a:buFont typeface="Arial" panose="020B0604020202020204" pitchFamily="34" charset="0"/>
-              <a:buChar char="•"/>
-              <a:defRPr sz="1800" kern="1200">
-                <a:solidFill>
-                  <a:schemeClr val="tx1"/>
-                </a:solidFill>
-                <a:latin typeface="+mn-lt"/>
-                <a:ea typeface="+mn-ea"/>
-                <a:cs typeface="+mn-cs"/>
-              </a:defRPr>
-            </a:lvl5pPr>
-            <a:lvl6pPr marL="2514600" indent="-228600" algn="l" defTabSz="914400" rtl="0" eaLnBrk="1" latinLnBrk="0" hangingPunct="1">
-              <a:lnSpc>
-                <a:spcPct val="90000"/>
-              </a:lnSpc>
-              <a:spcBef>
-                <a:spcPts val="500"/>
-              </a:spcBef>
-              <a:buFont typeface="Arial" panose="020B0604020202020204" pitchFamily="34" charset="0"/>
-              <a:buChar char="•"/>
-              <a:defRPr sz="1800" kern="1200">
-                <a:solidFill>
-                  <a:schemeClr val="tx1"/>
-                </a:solidFill>
-                <a:latin typeface="+mn-lt"/>
-                <a:ea typeface="+mn-ea"/>
-                <a:cs typeface="+mn-cs"/>
-              </a:defRPr>
-            </a:lvl6pPr>
-            <a:lvl7pPr marL="2971800" indent="-228600" algn="l" defTabSz="914400" rtl="0" eaLnBrk="1" latinLnBrk="0" hangingPunct="1">
-              <a:lnSpc>
-                <a:spcPct val="90000"/>
-              </a:lnSpc>
-              <a:spcBef>
-                <a:spcPts val="500"/>
-              </a:spcBef>
-              <a:buFont typeface="Arial" panose="020B0604020202020204" pitchFamily="34" charset="0"/>
-              <a:buChar char="•"/>
-              <a:defRPr sz="1800" kern="1200">
-                <a:solidFill>
-                  <a:schemeClr val="tx1"/>
-                </a:solidFill>
-                <a:latin typeface="+mn-lt"/>
-                <a:ea typeface="+mn-ea"/>
-                <a:cs typeface="+mn-cs"/>
-              </a:defRPr>
-            </a:lvl7pPr>
-            <a:lvl8pPr marL="3429000" indent="-228600" algn="l" defTabSz="914400" rtl="0" eaLnBrk="1" latinLnBrk="0" hangingPunct="1">
-              <a:lnSpc>
-                <a:spcPct val="90000"/>
-              </a:lnSpc>
-              <a:spcBef>
-                <a:spcPts val="500"/>
-              </a:spcBef>
-              <a:buFont typeface="Arial" panose="020B0604020202020204" pitchFamily="34" charset="0"/>
-              <a:buChar char="•"/>
-              <a:defRPr sz="1800" kern="1200">
-                <a:solidFill>
-                  <a:schemeClr val="tx1"/>
-                </a:solidFill>
-                <a:latin typeface="+mn-lt"/>
-                <a:ea typeface="+mn-ea"/>
-                <a:cs typeface="+mn-cs"/>
-              </a:defRPr>
-            </a:lvl8pPr>
-            <a:lvl9pPr marL="3886200" indent="-228600" algn="l" defTabSz="914400" rtl="0" eaLnBrk="1" latinLnBrk="0" hangingPunct="1">
-              <a:lnSpc>
-                <a:spcPct val="90000"/>
-              </a:lnSpc>
-              <a:spcBef>
-                <a:spcPts val="500"/>
-              </a:spcBef>
-              <a:buFont typeface="Arial" panose="020B0604020202020204" pitchFamily="34" charset="0"/>
-              <a:buChar char="•"/>
-              <a:defRPr sz="1800" kern="1200">
-                <a:solidFill>
-                  <a:schemeClr val="tx1"/>
-                </a:solidFill>
-                <a:latin typeface="+mn-lt"/>
-                <a:ea typeface="+mn-ea"/>
-                <a:cs typeface="+mn-cs"/>
-              </a:defRPr>
-            </a:lvl9pPr>
-          </a:lstStyle>
-          <a:p>
-            <a:pPr marL="0" indent="0">
-              <a:buNone/>
-            </a:pPr>
-            <a:r>
-              <a:rPr lang="en-US" dirty="0">
-                <a:latin typeface="Consolas" panose="020B0609020204030204" pitchFamily="49" charset="0"/>
-              </a:rPr>
               <a:t>DQM Graph Coloring</a:t>
             </a:r>
             <a:endParaRPr lang="en-US" dirty="0"/>
@@ -4409,7 +4110,7 @@
 </p:sld>
 </file>
 
-<file path=ppt/slides/slide7.xml><?xml version="1.0" encoding="utf-8"?>
+<file path=ppt/slides/slide6.xml><?xml version="1.0" encoding="utf-8"?>
 <p:sld xmlns:a="http://schemas.openxmlformats.org/drawingml/2006/main" xmlns:r="http://schemas.openxmlformats.org/officeDocument/2006/relationships" xmlns:p="http://schemas.openxmlformats.org/presentationml/2006/main">
   <p:cSld>
     <p:spTree>
@@ -4468,7 +4169,7 @@
 </p:sld>
 </file>
 
-<file path=ppt/slides/slide8.xml><?xml version="1.0" encoding="utf-8"?>
+<file path=ppt/slides/slide7.xml><?xml version="1.0" encoding="utf-8"?>
 <p:sld xmlns:a="http://schemas.openxmlformats.org/drawingml/2006/main" xmlns:r="http://schemas.openxmlformats.org/officeDocument/2006/relationships" xmlns:p="http://schemas.openxmlformats.org/presentationml/2006/main">
   <p:cSld>
     <p:spTree>
@@ -4579,7 +4280,7 @@
 </p:sld>
 </file>
 
-<file path=ppt/slides/slide9.xml><?xml version="1.0" encoding="utf-8"?>
+<file path=ppt/slides/slide8.xml><?xml version="1.0" encoding="utf-8"?>
 <p:sld xmlns:a="http://schemas.openxmlformats.org/drawingml/2006/main" xmlns:r="http://schemas.openxmlformats.org/officeDocument/2006/relationships" xmlns:p="http://schemas.openxmlformats.org/presentationml/2006/main">
   <p:cSld>
     <p:spTree>
@@ -4617,32 +4318,118 @@
           <a:bodyPr/>
           <a:lstStyle/>
           <a:p>
-            <a:endParaRPr lang="en-US" dirty="0"/>
-          </a:p>
-        </p:txBody>
-      </p:sp>
-      <p:sp>
-        <p:nvSpPr>
-          <p:cNvPr id="3" name="Content Placeholder 2">
-            <a:extLst>
-              <a:ext uri="{FF2B5EF4-FFF2-40B4-BE49-F238E27FC236}">
-                <a16:creationId xmlns:a16="http://schemas.microsoft.com/office/drawing/2014/main" id="{BC192BDE-6B5C-442C-A1DC-03F7D432B2E0}"/>
-              </a:ext>
-            </a:extLst>
-          </p:cNvPr>
-          <p:cNvSpPr>
-            <a:spLocks noGrp="1"/>
-          </p:cNvSpPr>
-          <p:nvPr>
-            <p:ph idx="1"/>
-          </p:nvPr>
-        </p:nvSpPr>
-        <p:spPr/>
-        <p:txBody>
-          <a:bodyPr/>
-          <a:lstStyle/>
-          <a:p>
-            <a:endParaRPr lang="en-US"/>
+            <a:r>
+              <a:rPr lang="en-US" dirty="0"/>
+              <a:t>DQM Equations</a:t>
+            </a:r>
+          </a:p>
+        </p:txBody>
+      </p:sp>
+      <p:pic>
+        <p:nvPicPr>
+          <p:cNvPr id="5" name="Picture 4">
+            <a:extLst>
+              <a:ext uri="{FF2B5EF4-FFF2-40B4-BE49-F238E27FC236}">
+                <a16:creationId xmlns:a16="http://schemas.microsoft.com/office/drawing/2014/main" id="{016555F0-8F1F-4FC9-8374-6A4031275D4C}"/>
+              </a:ext>
+            </a:extLst>
+          </p:cNvPr>
+          <p:cNvPicPr>
+            <a:picLocks noChangeAspect="1"/>
+          </p:cNvPicPr>
+          <p:nvPr/>
+        </p:nvPicPr>
+        <p:blipFill>
+          <a:blip r:embed="rId2">
+            <a:extLst>
+              <a:ext uri="{28A0092B-C50C-407E-A947-70E740481C1C}">
+                <a14:useLocalDpi xmlns:a14="http://schemas.microsoft.com/office/drawing/2010/main" val="0"/>
+              </a:ext>
+            </a:extLst>
+          </a:blip>
+          <a:stretch>
+            <a:fillRect/>
+          </a:stretch>
+        </p:blipFill>
+        <p:spPr>
+          <a:xfrm>
+            <a:off x="814643" y="4419249"/>
+            <a:ext cx="10971782" cy="1241813"/>
+          </a:xfrm>
+          <a:prstGeom prst="rect">
+            <a:avLst/>
+          </a:prstGeom>
+        </p:spPr>
+      </p:pic>
+      <p:pic>
+        <p:nvPicPr>
+          <p:cNvPr id="7" name="Picture 6">
+            <a:extLst>
+              <a:ext uri="{FF2B5EF4-FFF2-40B4-BE49-F238E27FC236}">
+                <a16:creationId xmlns:a16="http://schemas.microsoft.com/office/drawing/2014/main" id="{1C297AEF-C065-4F62-9F21-79915E3CD21D}"/>
+              </a:ext>
+            </a:extLst>
+          </p:cNvPr>
+          <p:cNvPicPr>
+            <a:picLocks noChangeAspect="1"/>
+          </p:cNvPicPr>
+          <p:nvPr/>
+        </p:nvPicPr>
+        <p:blipFill>
+          <a:blip r:embed="rId3">
+            <a:extLst>
+              <a:ext uri="{28A0092B-C50C-407E-A947-70E740481C1C}">
+                <a14:useLocalDpi xmlns:a14="http://schemas.microsoft.com/office/drawing/2010/main" val="0"/>
+              </a:ext>
+            </a:extLst>
+          </a:blip>
+          <a:stretch>
+            <a:fillRect/>
+          </a:stretch>
+        </p:blipFill>
+        <p:spPr>
+          <a:xfrm>
+            <a:off x="405574" y="1690688"/>
+            <a:ext cx="6837275" cy="1139546"/>
+          </a:xfrm>
+          <a:prstGeom prst="rect">
+            <a:avLst/>
+          </a:prstGeom>
+        </p:spPr>
+      </p:pic>
+      <p:sp>
+        <p:nvSpPr>
+          <p:cNvPr id="12" name="TextBox 11">
+            <a:extLst>
+              <a:ext uri="{FF2B5EF4-FFF2-40B4-BE49-F238E27FC236}">
+                <a16:creationId xmlns:a16="http://schemas.microsoft.com/office/drawing/2014/main" id="{047F87A7-4A25-491D-A1F6-77659E019A20}"/>
+              </a:ext>
+            </a:extLst>
+          </p:cNvPr>
+          <p:cNvSpPr txBox="1"/>
+          <p:nvPr/>
+        </p:nvSpPr>
+        <p:spPr>
+          <a:xfrm>
+            <a:off x="2917861" y="2876765"/>
+            <a:ext cx="1387011" cy="646331"/>
+          </a:xfrm>
+          <a:prstGeom prst="rect">
+            <a:avLst/>
+          </a:prstGeom>
+          <a:noFill/>
+        </p:spPr>
+        <p:txBody>
+          <a:bodyPr wrap="square" rtlCol="0">
+            <a:spAutoFit/>
+          </a:bodyPr>
+          <a:lstStyle/>
+          <a:p>
+            <a:pPr algn="ctr"/>
+            <a:r>
+              <a:rPr lang="en-US" dirty="0"/>
+              <a:t>Lagrange Parameter</a:t>
+            </a:r>
           </a:p>
         </p:txBody>
       </p:sp>

--- a/DQM Knapsack for COVID Vaccine Distribution.pptx
+++ b/DQM Knapsack for COVID Vaccine Distribution.pptx
@@ -8,11 +8,13 @@
     <p:sldId id="256" r:id="rId2"/>
     <p:sldId id="263" r:id="rId3"/>
     <p:sldId id="264" r:id="rId4"/>
-    <p:sldId id="257" r:id="rId5"/>
-    <p:sldId id="260" r:id="rId6"/>
-    <p:sldId id="259" r:id="rId7"/>
-    <p:sldId id="261" r:id="rId8"/>
-    <p:sldId id="262" r:id="rId9"/>
+    <p:sldId id="265" r:id="rId5"/>
+    <p:sldId id="257" r:id="rId6"/>
+    <p:sldId id="260" r:id="rId7"/>
+    <p:sldId id="259" r:id="rId8"/>
+    <p:sldId id="261" r:id="rId9"/>
+    <p:sldId id="262" r:id="rId10"/>
+    <p:sldId id="266" r:id="rId11"/>
   </p:sldIdLst>
   <p:sldSz cx="12192000" cy="6858000"/>
   <p:notesSz cx="6858000" cy="9144000"/>
@@ -3349,7 +3351,12 @@
             <p:ph type="ctrTitle"/>
           </p:nvPr>
         </p:nvSpPr>
-        <p:spPr/>
+        <p:spPr>
+          <a:xfrm>
+            <a:off x="1524000" y="2146300"/>
+            <a:ext cx="9144000" cy="2387600"/>
+          </a:xfrm>
+        </p:spPr>
         <p:txBody>
           <a:bodyPr>
             <a:normAutofit fontScale="90000"/>
@@ -3397,7 +3404,7 @@
         </p:nvSpPr>
         <p:spPr>
           <a:xfrm>
-            <a:off x="2492188" y="3509963"/>
+            <a:off x="2492188" y="4394200"/>
             <a:ext cx="7207624" cy="1655762"/>
           </a:xfrm>
         </p:spPr>
@@ -3432,10 +3439,273 @@
           </a:p>
         </p:txBody>
       </p:sp>
+      <p:grpSp>
+        <p:nvGrpSpPr>
+          <p:cNvPr id="5" name="Group 4">
+            <a:extLst>
+              <a:ext uri="{FF2B5EF4-FFF2-40B4-BE49-F238E27FC236}">
+                <a16:creationId xmlns:a16="http://schemas.microsoft.com/office/drawing/2014/main" id="{F580A136-4F38-4D00-AC9F-EE4DEB2D7D06}"/>
+              </a:ext>
+            </a:extLst>
+          </p:cNvPr>
+          <p:cNvGrpSpPr/>
+          <p:nvPr/>
+        </p:nvGrpSpPr>
+        <p:grpSpPr>
+          <a:xfrm>
+            <a:off x="466723" y="335756"/>
+            <a:ext cx="1704977" cy="1597819"/>
+            <a:chOff x="161923" y="4376738"/>
+            <a:chExt cx="2476501" cy="2281237"/>
+          </a:xfrm>
+        </p:grpSpPr>
+        <p:sp>
+          <p:nvSpPr>
+            <p:cNvPr id="4" name="Oval 3">
+              <a:extLst>
+                <a:ext uri="{FF2B5EF4-FFF2-40B4-BE49-F238E27FC236}">
+                  <a16:creationId xmlns:a16="http://schemas.microsoft.com/office/drawing/2014/main" id="{C66F0787-E896-48BE-8266-ACF27A567103}"/>
+                </a:ext>
+              </a:extLst>
+            </p:cNvPr>
+            <p:cNvSpPr/>
+            <p:nvPr/>
+          </p:nvSpPr>
+          <p:spPr>
+            <a:xfrm>
+              <a:off x="161923" y="4376738"/>
+              <a:ext cx="2476501" cy="2281237"/>
+            </a:xfrm>
+            <a:prstGeom prst="ellipse">
+              <a:avLst/>
+            </a:prstGeom>
+            <a:solidFill>
+              <a:schemeClr val="tx1"/>
+            </a:solidFill>
+          </p:spPr>
+          <p:style>
+            <a:lnRef idx="2">
+              <a:schemeClr val="accent1">
+                <a:shade val="50000"/>
+              </a:schemeClr>
+            </a:lnRef>
+            <a:fillRef idx="1">
+              <a:schemeClr val="accent1"/>
+            </a:fillRef>
+            <a:effectRef idx="0">
+              <a:schemeClr val="accent1"/>
+            </a:effectRef>
+            <a:fontRef idx="minor">
+              <a:schemeClr val="lt1"/>
+            </a:fontRef>
+          </p:style>
+          <p:txBody>
+            <a:bodyPr rtlCol="0" anchor="ctr"/>
+            <a:lstStyle/>
+            <a:p>
+              <a:pPr algn="ctr"/>
+              <a:endParaRPr lang="en-US"/>
+            </a:p>
+          </p:txBody>
+        </p:sp>
+        <p:pic>
+          <p:nvPicPr>
+            <p:cNvPr id="1026" name="Picture 2">
+              <a:extLst>
+                <a:ext uri="{FF2B5EF4-FFF2-40B4-BE49-F238E27FC236}">
+                  <a16:creationId xmlns:a16="http://schemas.microsoft.com/office/drawing/2014/main" id="{A6CC8825-D18B-492B-8820-C41B5951ED0E}"/>
+                </a:ext>
+              </a:extLst>
+            </p:cNvPr>
+            <p:cNvPicPr>
+              <a:picLocks noChangeAspect="1" noChangeArrowheads="1"/>
+            </p:cNvPicPr>
+            <p:nvPr/>
+          </p:nvPicPr>
+          <p:blipFill rotWithShape="1">
+            <a:blip r:embed="rId2">
+              <a:extLst>
+                <a:ext uri="{28A0092B-C50C-407E-A947-70E740481C1C}">
+                  <a14:useLocalDpi xmlns:a14="http://schemas.microsoft.com/office/drawing/2010/main" val="0"/>
+                </a:ext>
+              </a:extLst>
+            </a:blip>
+            <a:srcRect l="22222" t="-4381" r="27971" b="-5838"/>
+            <a:stretch/>
+          </p:blipFill>
+          <p:spPr bwMode="auto">
+            <a:xfrm>
+              <a:off x="161923" y="4376738"/>
+              <a:ext cx="2476501" cy="2281237"/>
+            </a:xfrm>
+            <a:prstGeom prst="ellipse">
+              <a:avLst/>
+            </a:prstGeom>
+            <a:noFill/>
+            <a:extLst>
+              <a:ext uri="{909E8E84-426E-40DD-AFC4-6F175D3DCCD1}">
+                <a14:hiddenFill xmlns:a14="http://schemas.microsoft.com/office/drawing/2010/main">
+                  <a:solidFill>
+                    <a:srgbClr val="FFFFFF"/>
+                  </a:solidFill>
+                </a14:hiddenFill>
+              </a:ext>
+            </a:extLst>
+          </p:spPr>
+        </p:pic>
+      </p:grpSp>
     </p:spTree>
     <p:extLst>
       <p:ext uri="{BB962C8B-B14F-4D97-AF65-F5344CB8AC3E}">
         <p14:creationId xmlns:p14="http://schemas.microsoft.com/office/powerpoint/2010/main" val="3941385748"/>
+      </p:ext>
+    </p:extLst>
+  </p:cSld>
+  <p:clrMapOvr>
+    <a:masterClrMapping/>
+  </p:clrMapOvr>
+</p:sld>
+</file>
+
+<file path=ppt/slides/slide10.xml><?xml version="1.0" encoding="utf-8"?>
+<p:sld xmlns:a="http://schemas.openxmlformats.org/drawingml/2006/main" xmlns:r="http://schemas.openxmlformats.org/officeDocument/2006/relationships" xmlns:p="http://schemas.openxmlformats.org/presentationml/2006/main">
+  <p:cSld>
+    <p:spTree>
+      <p:nvGrpSpPr>
+        <p:cNvPr id="1" name=""/>
+        <p:cNvGrpSpPr/>
+        <p:nvPr/>
+      </p:nvGrpSpPr>
+      <p:grpSpPr>
+        <a:xfrm>
+          <a:off x="0" y="0"/>
+          <a:ext cx="0" cy="0"/>
+          <a:chOff x="0" y="0"/>
+          <a:chExt cx="0" cy="0"/>
+        </a:xfrm>
+      </p:grpSpPr>
+      <p:sp>
+        <p:nvSpPr>
+          <p:cNvPr id="2" name="Title 1">
+            <a:extLst>
+              <a:ext uri="{FF2B5EF4-FFF2-40B4-BE49-F238E27FC236}">
+                <a16:creationId xmlns:a16="http://schemas.microsoft.com/office/drawing/2014/main" id="{9B9DED61-F832-42E2-903C-585E15C0B8FA}"/>
+              </a:ext>
+            </a:extLst>
+          </p:cNvPr>
+          <p:cNvSpPr>
+            <a:spLocks noGrp="1"/>
+          </p:cNvSpPr>
+          <p:nvPr>
+            <p:ph type="title"/>
+          </p:nvPr>
+        </p:nvSpPr>
+        <p:spPr>
+          <a:xfrm>
+            <a:off x="795337" y="2766217"/>
+            <a:ext cx="2924175" cy="1325563"/>
+          </a:xfrm>
+        </p:spPr>
+        <p:txBody>
+          <a:bodyPr/>
+          <a:lstStyle/>
+          <a:p>
+            <a:r>
+              <a:rPr lang="en-US" dirty="0" err="1">
+                <a:latin typeface="Consolas" panose="020B0609020204030204" pitchFamily="49" charset="0"/>
+              </a:rPr>
+              <a:t>Jupyter</a:t>
+            </a:r>
+            <a:r>
+              <a:rPr lang="en-US" dirty="0">
+                <a:latin typeface="Consolas" panose="020B0609020204030204" pitchFamily="49" charset="0"/>
+              </a:rPr>
+              <a:t> Notebook</a:t>
+            </a:r>
+          </a:p>
+        </p:txBody>
+      </p:sp>
+      <p:sp>
+        <p:nvSpPr>
+          <p:cNvPr id="6" name="TextBox 5">
+            <a:extLst>
+              <a:ext uri="{FF2B5EF4-FFF2-40B4-BE49-F238E27FC236}">
+                <a16:creationId xmlns:a16="http://schemas.microsoft.com/office/drawing/2014/main" id="{F92AC6FC-DA0C-428F-A5F8-2F4AC2DB28E9}"/>
+              </a:ext>
+            </a:extLst>
+          </p:cNvPr>
+          <p:cNvSpPr txBox="1"/>
+          <p:nvPr/>
+        </p:nvSpPr>
+        <p:spPr>
+          <a:xfrm>
+            <a:off x="376517" y="5983959"/>
+            <a:ext cx="1880908" cy="523220"/>
+          </a:xfrm>
+          <a:prstGeom prst="rect">
+            <a:avLst/>
+          </a:prstGeom>
+          <a:noFill/>
+        </p:spPr>
+        <p:txBody>
+          <a:bodyPr wrap="square">
+            <a:spAutoFit/>
+          </a:bodyPr>
+          <a:lstStyle/>
+          <a:p>
+            <a:r>
+              <a:rPr lang="en-US" sz="2800" dirty="0">
+                <a:hlinkClick r:id="rId2"/>
+              </a:rPr>
+              <a:t>Try it Out!</a:t>
+            </a:r>
+            <a:r>
+              <a:rPr lang="en-US" sz="2800" dirty="0"/>
+              <a:t> </a:t>
+            </a:r>
+          </a:p>
+        </p:txBody>
+      </p:sp>
+      <p:pic>
+        <p:nvPicPr>
+          <p:cNvPr id="8" name="Picture 7">
+            <a:extLst>
+              <a:ext uri="{FF2B5EF4-FFF2-40B4-BE49-F238E27FC236}">
+                <a16:creationId xmlns:a16="http://schemas.microsoft.com/office/drawing/2014/main" id="{305EDA51-4B64-4D32-809A-B270421E8901}"/>
+              </a:ext>
+            </a:extLst>
+          </p:cNvPr>
+          <p:cNvPicPr>
+            <a:picLocks noChangeAspect="1"/>
+          </p:cNvPicPr>
+          <p:nvPr/>
+        </p:nvPicPr>
+        <p:blipFill>
+          <a:blip r:embed="rId3">
+            <a:extLst>
+              <a:ext uri="{28A0092B-C50C-407E-A947-70E740481C1C}">
+                <a14:useLocalDpi xmlns:a14="http://schemas.microsoft.com/office/drawing/2010/main" val="0"/>
+              </a:ext>
+            </a:extLst>
+          </a:blip>
+          <a:stretch>
+            <a:fillRect/>
+          </a:stretch>
+        </p:blipFill>
+        <p:spPr>
+          <a:xfrm>
+            <a:off x="3719512" y="816200"/>
+            <a:ext cx="7881658" cy="5225600"/>
+          </a:xfrm>
+          <a:prstGeom prst="rect">
+            <a:avLst/>
+          </a:prstGeom>
+        </p:spPr>
+      </p:pic>
+    </p:spTree>
+    <p:extLst>
+      <p:ext uri="{BB962C8B-B14F-4D97-AF65-F5344CB8AC3E}">
+        <p14:creationId xmlns:p14="http://schemas.microsoft.com/office/powerpoint/2010/main" val="1534071819"/>
       </p:ext>
     </p:extLst>
   </p:cSld>
@@ -3630,92 +3900,12 @@
           <a:chExt cx="0" cy="0"/>
         </a:xfrm>
       </p:grpSpPr>
-      <p:sp>
-        <p:nvSpPr>
-          <p:cNvPr id="2" name="Title 1">
-            <a:extLst>
-              <a:ext uri="{FF2B5EF4-FFF2-40B4-BE49-F238E27FC236}">
-                <a16:creationId xmlns:a16="http://schemas.microsoft.com/office/drawing/2014/main" id="{C85F0CC1-F67C-4AC3-8ADE-2AACF4BBA95D}"/>
-              </a:ext>
-            </a:extLst>
-          </p:cNvPr>
-          <p:cNvSpPr>
-            <a:spLocks noGrp="1"/>
-          </p:cNvSpPr>
-          <p:nvPr>
-            <p:ph type="title"/>
-          </p:nvPr>
-        </p:nvSpPr>
-        <p:spPr/>
-        <p:txBody>
-          <a:bodyPr/>
-          <a:lstStyle/>
-          <a:p>
-            <a:endParaRPr lang="en-US"/>
-          </a:p>
-        </p:txBody>
-      </p:sp>
-      <p:sp>
-        <p:nvSpPr>
-          <p:cNvPr id="3" name="Content Placeholder 2">
-            <a:extLst>
-              <a:ext uri="{FF2B5EF4-FFF2-40B4-BE49-F238E27FC236}">
-                <a16:creationId xmlns:a16="http://schemas.microsoft.com/office/drawing/2014/main" id="{DDC41D97-8F98-459C-BA2F-E21689DD9471}"/>
-              </a:ext>
-            </a:extLst>
-          </p:cNvPr>
-          <p:cNvSpPr>
-            <a:spLocks noGrp="1"/>
-          </p:cNvSpPr>
-          <p:nvPr>
-            <p:ph idx="1"/>
-          </p:nvPr>
-        </p:nvSpPr>
-        <p:spPr/>
-        <p:txBody>
-          <a:bodyPr/>
-          <a:lstStyle/>
-          <a:p>
-            <a:endParaRPr lang="en-US"/>
-          </a:p>
-        </p:txBody>
-      </p:sp>
-    </p:spTree>
-    <p:extLst>
-      <p:ext uri="{BB962C8B-B14F-4D97-AF65-F5344CB8AC3E}">
-        <p14:creationId xmlns:p14="http://schemas.microsoft.com/office/powerpoint/2010/main" val="2695076621"/>
-      </p:ext>
-    </p:extLst>
-  </p:cSld>
-  <p:clrMapOvr>
-    <a:masterClrMapping/>
-  </p:clrMapOvr>
-</p:sld>
-</file>
-
-<file path=ppt/slides/slide4.xml><?xml version="1.0" encoding="utf-8"?>
-<p:sld xmlns:a="http://schemas.openxmlformats.org/drawingml/2006/main" xmlns:r="http://schemas.openxmlformats.org/officeDocument/2006/relationships" xmlns:p="http://schemas.openxmlformats.org/presentationml/2006/main">
-  <p:cSld>
-    <p:spTree>
-      <p:nvGrpSpPr>
-        <p:cNvPr id="1" name=""/>
-        <p:cNvGrpSpPr/>
-        <p:nvPr/>
-      </p:nvGrpSpPr>
-      <p:grpSpPr>
-        <a:xfrm>
-          <a:off x="0" y="0"/>
-          <a:ext cx="0" cy="0"/>
-          <a:chOff x="0" y="0"/>
-          <a:chExt cx="0" cy="0"/>
-        </a:xfrm>
-      </p:grpSpPr>
       <p:pic>
         <p:nvPicPr>
-          <p:cNvPr id="7" name="Picture 6">
-            <a:extLst>
-              <a:ext uri="{FF2B5EF4-FFF2-40B4-BE49-F238E27FC236}">
-                <a16:creationId xmlns:a16="http://schemas.microsoft.com/office/drawing/2014/main" id="{22CA2345-3258-41FC-B794-AE01D464761D}"/>
+          <p:cNvPr id="8" name="Picture 7">
+            <a:extLst>
+              <a:ext uri="{FF2B5EF4-FFF2-40B4-BE49-F238E27FC236}">
+                <a16:creationId xmlns:a16="http://schemas.microsoft.com/office/drawing/2014/main" id="{419E22A8-9C19-406A-BF63-F06CAF258B42}"/>
               </a:ext>
             </a:extLst>
           </p:cNvPr>
@@ -3725,141 +3915,68 @@
           <p:nvPr/>
         </p:nvPicPr>
         <p:blipFill>
-          <a:blip r:embed="rId2"/>
+          <a:blip r:embed="rId2">
+            <a:extLst>
+              <a:ext uri="{28A0092B-C50C-407E-A947-70E740481C1C}">
+                <a14:useLocalDpi xmlns:a14="http://schemas.microsoft.com/office/drawing/2010/main" val="0"/>
+              </a:ext>
+            </a:extLst>
+          </a:blip>
           <a:stretch>
             <a:fillRect/>
           </a:stretch>
         </p:blipFill>
         <p:spPr>
           <a:xfrm>
-            <a:off x="221255" y="472139"/>
-            <a:ext cx="11749490" cy="4601884"/>
+            <a:off x="238125" y="4816615"/>
+            <a:ext cx="6057900" cy="1511955"/>
           </a:xfrm>
           <a:prstGeom prst="rect">
             <a:avLst/>
           </a:prstGeom>
         </p:spPr>
       </p:pic>
-      <p:sp>
-        <p:nvSpPr>
-          <p:cNvPr id="8" name="TextBox 7">
-            <a:hlinkClick r:id="rId3"/>
-            <a:extLst>
-              <a:ext uri="{FF2B5EF4-FFF2-40B4-BE49-F238E27FC236}">
-                <a16:creationId xmlns:a16="http://schemas.microsoft.com/office/drawing/2014/main" id="{6ED023B7-3010-4854-965B-C538CD6620A4}"/>
-              </a:ext>
-            </a:extLst>
-          </p:cNvPr>
-          <p:cNvSpPr txBox="1"/>
-          <p:nvPr/>
-        </p:nvSpPr>
+      <p:pic>
+        <p:nvPicPr>
+          <p:cNvPr id="5" name="Content Placeholder 4">
+            <a:extLst>
+              <a:ext uri="{FF2B5EF4-FFF2-40B4-BE49-F238E27FC236}">
+                <a16:creationId xmlns:a16="http://schemas.microsoft.com/office/drawing/2014/main" id="{B0606BC2-A27D-4FAE-B2C5-E612CF53473E}"/>
+              </a:ext>
+            </a:extLst>
+          </p:cNvPr>
+          <p:cNvPicPr>
+            <a:picLocks noGrp="1" noChangeAspect="1"/>
+          </p:cNvPicPr>
+          <p:nvPr>
+            <p:ph idx="1"/>
+          </p:nvPr>
+        </p:nvPicPr>
+        <p:blipFill>
+          <a:blip r:embed="rId3">
+            <a:extLst>
+              <a:ext uri="{28A0092B-C50C-407E-A947-70E740481C1C}">
+                <a14:useLocalDpi xmlns:a14="http://schemas.microsoft.com/office/drawing/2010/main" val="0"/>
+              </a:ext>
+            </a:extLst>
+          </a:blip>
+          <a:stretch>
+            <a:fillRect/>
+          </a:stretch>
+        </p:blipFill>
         <p:spPr>
           <a:xfrm>
-            <a:off x="376517" y="5983959"/>
-            <a:ext cx="1290918" cy="523220"/>
+            <a:off x="4190999" y="192881"/>
+            <a:ext cx="7477125" cy="5607844"/>
           </a:xfrm>
-          <a:prstGeom prst="rect">
-            <a:avLst/>
-          </a:prstGeom>
-          <a:noFill/>
-        </p:spPr>
-        <p:txBody>
-          <a:bodyPr wrap="square">
-            <a:spAutoFit/>
-          </a:bodyPr>
-          <a:lstStyle/>
-          <a:p>
-            <a:r>
-              <a:rPr lang="en-US" sz="2800" dirty="0">
-                <a:hlinkClick r:id="rId3"/>
-              </a:rPr>
-              <a:t>Source</a:t>
-            </a:r>
-            <a:endParaRPr lang="en-US" sz="2800" dirty="0"/>
-          </a:p>
-        </p:txBody>
-      </p:sp>
-    </p:spTree>
-    <p:extLst>
-      <p:ext uri="{BB962C8B-B14F-4D97-AF65-F5344CB8AC3E}">
-        <p14:creationId xmlns:p14="http://schemas.microsoft.com/office/powerpoint/2010/main" val="4051947113"/>
-      </p:ext>
-    </p:extLst>
-  </p:cSld>
-  <p:clrMapOvr>
-    <a:masterClrMapping/>
-  </p:clrMapOvr>
-</p:sld>
-</file>
-
-<file path=ppt/slides/slide5.xml><?xml version="1.0" encoding="utf-8"?>
-<p:sld xmlns:a="http://schemas.openxmlformats.org/drawingml/2006/main" xmlns:r="http://schemas.openxmlformats.org/officeDocument/2006/relationships" xmlns:p="http://schemas.openxmlformats.org/presentationml/2006/main">
-  <p:cSld>
-    <p:spTree>
-      <p:nvGrpSpPr>
-        <p:cNvPr id="1" name=""/>
-        <p:cNvGrpSpPr/>
-        <p:nvPr/>
-      </p:nvGrpSpPr>
-      <p:grpSpPr>
-        <a:xfrm>
-          <a:off x="0" y="0"/>
-          <a:ext cx="0" cy="0"/>
-          <a:chOff x="0" y="0"/>
-          <a:chExt cx="0" cy="0"/>
-        </a:xfrm>
-      </p:grpSpPr>
-      <p:pic>
-        <p:nvPicPr>
-          <p:cNvPr id="1026" name="Picture 2">
-            <a:extLst>
-              <a:ext uri="{FF2B5EF4-FFF2-40B4-BE49-F238E27FC236}">
-                <a16:creationId xmlns:a16="http://schemas.microsoft.com/office/drawing/2014/main" id="{989394C9-0947-4C06-9078-F8B707C0349B}"/>
-              </a:ext>
-            </a:extLst>
-          </p:cNvPr>
-          <p:cNvPicPr>
-            <a:picLocks noChangeAspect="1" noChangeArrowheads="1"/>
-          </p:cNvPicPr>
-          <p:nvPr/>
-        </p:nvPicPr>
-        <p:blipFill rotWithShape="1">
-          <a:blip r:embed="rId2">
-            <a:extLst>
-              <a:ext uri="{28A0092B-C50C-407E-A947-70E740481C1C}">
-                <a14:useLocalDpi xmlns:a14="http://schemas.microsoft.com/office/drawing/2010/main" val="0"/>
-              </a:ext>
-            </a:extLst>
-          </a:blip>
-          <a:srcRect l="16869" t="17330" r="16655" b="20376"/>
-          <a:stretch/>
-        </p:blipFill>
-        <p:spPr bwMode="auto">
-          <a:xfrm>
-            <a:off x="2756290" y="112059"/>
-            <a:ext cx="9435710" cy="6633882"/>
-          </a:xfrm>
-          <a:prstGeom prst="rect">
-            <a:avLst/>
-          </a:prstGeom>
-          <a:noFill/>
-          <a:extLst>
-            <a:ext uri="{909E8E84-426E-40DD-AFC4-6F175D3DCCD1}">
-              <a14:hiddenFill xmlns:a14="http://schemas.microsoft.com/office/drawing/2010/main">
-                <a:solidFill>
-                  <a:srgbClr val="FFFFFF"/>
-                </a:solidFill>
-              </a14:hiddenFill>
-            </a:ext>
-          </a:extLst>
         </p:spPr>
       </p:pic>
       <p:sp>
         <p:nvSpPr>
-          <p:cNvPr id="7" name="Subtitle 2">
-            <a:extLst>
-              <a:ext uri="{FF2B5EF4-FFF2-40B4-BE49-F238E27FC236}">
-                <a16:creationId xmlns:a16="http://schemas.microsoft.com/office/drawing/2014/main" id="{C04536B8-911A-479F-B9C7-33471F6EF833}"/>
+          <p:cNvPr id="6" name="Content Placeholder 2">
+            <a:extLst>
+              <a:ext uri="{FF2B5EF4-FFF2-40B4-BE49-F238E27FC236}">
+                <a16:creationId xmlns:a16="http://schemas.microsoft.com/office/drawing/2014/main" id="{D8FE385C-C029-4957-A5B1-CF95526901BF}"/>
               </a:ext>
             </a:extLst>
           </p:cNvPr>
@@ -3870,8 +3987,8 @@
         </p:nvSpPr>
         <p:spPr>
           <a:xfrm>
-            <a:off x="322728" y="2638005"/>
-            <a:ext cx="1990165" cy="1581990"/>
+            <a:off x="238125" y="1015204"/>
+            <a:ext cx="3810000" cy="4128295"/>
           </a:xfrm>
           <a:prstGeom prst="rect">
             <a:avLst/>
@@ -4047,6 +4164,697 @@
           </a:lstStyle>
           <a:p>
             <a:pPr marL="0" indent="0">
+              <a:buFont typeface="Arial" panose="020B0604020202020204" pitchFamily="34" charset="0"/>
+              <a:buNone/>
+            </a:pPr>
+            <a:r>
+              <a:rPr lang="en-US" sz="2400" dirty="0">
+                <a:latin typeface="Consolas" panose="020B0609020204030204" pitchFamily="49" charset="0"/>
+              </a:rPr>
+              <a:t>Preset:</a:t>
+            </a:r>
+          </a:p>
+          <a:p>
+            <a:pPr>
+              <a:buFontTx/>
+              <a:buChar char="-"/>
+            </a:pPr>
+            <a:r>
+              <a:rPr lang="en-US" sz="2400" dirty="0">
+                <a:latin typeface="Consolas" panose="020B0609020204030204" pitchFamily="49" charset="0"/>
+              </a:rPr>
+              <a:t>Delivery locations</a:t>
+            </a:r>
+          </a:p>
+          <a:p>
+            <a:pPr>
+              <a:buFontTx/>
+              <a:buChar char="-"/>
+            </a:pPr>
+            <a:r>
+              <a:rPr lang="en-US" sz="2400" dirty="0">
+                <a:latin typeface="Consolas" panose="020B0609020204030204" pitchFamily="49" charset="0"/>
+              </a:rPr>
+              <a:t>Vaccine doses</a:t>
+            </a:r>
+          </a:p>
+          <a:p>
+            <a:pPr>
+              <a:buFontTx/>
+              <a:buChar char="-"/>
+            </a:pPr>
+            <a:r>
+              <a:rPr lang="en-US" sz="2400" dirty="0">
+                <a:latin typeface="Consolas" panose="020B0609020204030204" pitchFamily="49" charset="0"/>
+              </a:rPr>
+              <a:t>Vaccination rates</a:t>
+            </a:r>
+          </a:p>
+          <a:p>
+            <a:pPr>
+              <a:buFontTx/>
+              <a:buChar char="-"/>
+            </a:pPr>
+            <a:endParaRPr lang="en-US" sz="2400" dirty="0">
+              <a:latin typeface="Consolas" panose="020B0609020204030204" pitchFamily="49" charset="0"/>
+            </a:endParaRPr>
+          </a:p>
+          <a:p>
+            <a:pPr marL="0" indent="0">
+              <a:buNone/>
+            </a:pPr>
+            <a:r>
+              <a:rPr lang="en-US" sz="2400" dirty="0">
+                <a:latin typeface="Consolas" panose="020B0609020204030204" pitchFamily="49" charset="0"/>
+              </a:rPr>
+              <a:t>Find optimal Knapsack</a:t>
+            </a:r>
+          </a:p>
+          <a:p>
+            <a:pPr marL="0" indent="0">
+              <a:buNone/>
+            </a:pPr>
+            <a:endParaRPr lang="en-US" sz="2400" dirty="0">
+              <a:latin typeface="Consolas" panose="020B0609020204030204" pitchFamily="49" charset="0"/>
+            </a:endParaRPr>
+          </a:p>
+          <a:p>
+            <a:pPr marL="0" indent="0">
+              <a:buNone/>
+            </a:pPr>
+            <a:endParaRPr lang="en-US" sz="300" dirty="0">
+              <a:latin typeface="Consolas" panose="020B0609020204030204" pitchFamily="49" charset="0"/>
+            </a:endParaRPr>
+          </a:p>
+          <a:p>
+            <a:pPr marL="0" indent="0">
+              <a:buNone/>
+            </a:pPr>
+            <a:r>
+              <a:rPr lang="en-US" sz="2400" dirty="0">
+                <a:latin typeface="Consolas" panose="020B0609020204030204" pitchFamily="49" charset="0"/>
+              </a:rPr>
+              <a:t>Output:</a:t>
+            </a:r>
+          </a:p>
+        </p:txBody>
+      </p:sp>
+    </p:spTree>
+    <p:extLst>
+      <p:ext uri="{BB962C8B-B14F-4D97-AF65-F5344CB8AC3E}">
+        <p14:creationId xmlns:p14="http://schemas.microsoft.com/office/powerpoint/2010/main" val="2695076621"/>
+      </p:ext>
+    </p:extLst>
+  </p:cSld>
+  <p:clrMapOvr>
+    <a:masterClrMapping/>
+  </p:clrMapOvr>
+</p:sld>
+</file>
+
+<file path=ppt/slides/slide4.xml><?xml version="1.0" encoding="utf-8"?>
+<p:sld xmlns:a="http://schemas.openxmlformats.org/drawingml/2006/main" xmlns:r="http://schemas.openxmlformats.org/officeDocument/2006/relationships" xmlns:p="http://schemas.openxmlformats.org/presentationml/2006/main">
+  <p:cSld>
+    <p:spTree>
+      <p:nvGrpSpPr>
+        <p:cNvPr id="1" name=""/>
+        <p:cNvGrpSpPr/>
+        <p:nvPr/>
+      </p:nvGrpSpPr>
+      <p:grpSpPr>
+        <a:xfrm>
+          <a:off x="0" y="0"/>
+          <a:ext cx="0" cy="0"/>
+          <a:chOff x="0" y="0"/>
+          <a:chExt cx="0" cy="0"/>
+        </a:xfrm>
+      </p:grpSpPr>
+      <p:sp>
+        <p:nvSpPr>
+          <p:cNvPr id="4" name="Title 1">
+            <a:extLst>
+              <a:ext uri="{FF2B5EF4-FFF2-40B4-BE49-F238E27FC236}">
+                <a16:creationId xmlns:a16="http://schemas.microsoft.com/office/drawing/2014/main" id="{8180020E-0FD3-4F29-9A98-AAE199A69A73}"/>
+              </a:ext>
+            </a:extLst>
+          </p:cNvPr>
+          <p:cNvSpPr>
+            <a:spLocks noGrp="1"/>
+          </p:cNvSpPr>
+          <p:nvPr>
+            <p:ph type="title"/>
+          </p:nvPr>
+        </p:nvSpPr>
+        <p:spPr>
+          <a:xfrm>
+            <a:off x="838200" y="365125"/>
+            <a:ext cx="10515600" cy="1325563"/>
+          </a:xfrm>
+        </p:spPr>
+        <p:txBody>
+          <a:bodyPr/>
+          <a:lstStyle/>
+          <a:p>
+            <a:r>
+              <a:rPr lang="en-US" dirty="0">
+                <a:latin typeface="Consolas" panose="020B0609020204030204" pitchFamily="49" charset="0"/>
+              </a:rPr>
+              <a:t>Gathered Data CDC</a:t>
+            </a:r>
+          </a:p>
+        </p:txBody>
+      </p:sp>
+      <p:pic>
+        <p:nvPicPr>
+          <p:cNvPr id="6" name="Picture 5">
+            <a:extLst>
+              <a:ext uri="{FF2B5EF4-FFF2-40B4-BE49-F238E27FC236}">
+                <a16:creationId xmlns:a16="http://schemas.microsoft.com/office/drawing/2014/main" id="{C8B8BFCD-6E52-49CD-956B-E09787E141E7}"/>
+              </a:ext>
+            </a:extLst>
+          </p:cNvPr>
+          <p:cNvPicPr>
+            <a:picLocks noChangeAspect="1"/>
+          </p:cNvPicPr>
+          <p:nvPr/>
+        </p:nvPicPr>
+        <p:blipFill>
+          <a:blip r:embed="rId2">
+            <a:extLst>
+              <a:ext uri="{28A0092B-C50C-407E-A947-70E740481C1C}">
+                <a14:useLocalDpi xmlns:a14="http://schemas.microsoft.com/office/drawing/2010/main" val="0"/>
+              </a:ext>
+            </a:extLst>
+          </a:blip>
+          <a:stretch>
+            <a:fillRect/>
+          </a:stretch>
+        </p:blipFill>
+        <p:spPr>
+          <a:xfrm>
+            <a:off x="937976" y="1855915"/>
+            <a:ext cx="4681774" cy="4573650"/>
+          </a:xfrm>
+          <a:prstGeom prst="rect">
+            <a:avLst/>
+          </a:prstGeom>
+        </p:spPr>
+      </p:pic>
+      <p:grpSp>
+        <p:nvGrpSpPr>
+          <p:cNvPr id="13" name="Group 12">
+            <a:extLst>
+              <a:ext uri="{FF2B5EF4-FFF2-40B4-BE49-F238E27FC236}">
+                <a16:creationId xmlns:a16="http://schemas.microsoft.com/office/drawing/2014/main" id="{22099B56-EBC0-4F01-A8D8-0DFDF04F398E}"/>
+              </a:ext>
+            </a:extLst>
+          </p:cNvPr>
+          <p:cNvGrpSpPr>
+            <a:grpSpLocks noChangeAspect="1"/>
+          </p:cNvGrpSpPr>
+          <p:nvPr/>
+        </p:nvGrpSpPr>
+        <p:grpSpPr>
+          <a:xfrm>
+            <a:off x="7091599" y="558680"/>
+            <a:ext cx="4038600" cy="5740640"/>
+            <a:chOff x="5410197" y="1105139"/>
+            <a:chExt cx="3857862" cy="5483731"/>
+          </a:xfrm>
+        </p:grpSpPr>
+        <p:pic>
+          <p:nvPicPr>
+            <p:cNvPr id="10" name="Picture 9">
+              <a:extLst>
+                <a:ext uri="{FF2B5EF4-FFF2-40B4-BE49-F238E27FC236}">
+                  <a16:creationId xmlns:a16="http://schemas.microsoft.com/office/drawing/2014/main" id="{BAF781B5-4331-4D16-A077-8FA042A9B71C}"/>
+                </a:ext>
+              </a:extLst>
+            </p:cNvPr>
+            <p:cNvPicPr>
+              <a:picLocks noChangeAspect="1"/>
+            </p:cNvPicPr>
+            <p:nvPr/>
+          </p:nvPicPr>
+          <p:blipFill rotWithShape="1">
+            <a:blip r:embed="rId3">
+              <a:extLst>
+                <a:ext uri="{28A0092B-C50C-407E-A947-70E740481C1C}">
+                  <a14:useLocalDpi xmlns:a14="http://schemas.microsoft.com/office/drawing/2010/main" val="0"/>
+                </a:ext>
+              </a:extLst>
+            </a:blip>
+            <a:srcRect l="2402" t="28054" r="64831"/>
+            <a:stretch/>
+          </p:blipFill>
+          <p:spPr>
+            <a:xfrm>
+              <a:off x="5410197" y="1105139"/>
+              <a:ext cx="3857627" cy="1855003"/>
+            </a:xfrm>
+            <a:prstGeom prst="rect">
+              <a:avLst/>
+            </a:prstGeom>
+          </p:spPr>
+        </p:pic>
+        <p:pic>
+          <p:nvPicPr>
+            <p:cNvPr id="11" name="Picture 10">
+              <a:extLst>
+                <a:ext uri="{FF2B5EF4-FFF2-40B4-BE49-F238E27FC236}">
+                  <a16:creationId xmlns:a16="http://schemas.microsoft.com/office/drawing/2014/main" id="{08540FB4-2A96-48CD-9D3A-F057CC62B892}"/>
+                </a:ext>
+              </a:extLst>
+            </p:cNvPr>
+            <p:cNvPicPr>
+              <a:picLocks noChangeAspect="1"/>
+            </p:cNvPicPr>
+            <p:nvPr/>
+          </p:nvPicPr>
+          <p:blipFill rotWithShape="1">
+            <a:blip r:embed="rId3">
+              <a:extLst>
+                <a:ext uri="{28A0092B-C50C-407E-A947-70E740481C1C}">
+                  <a14:useLocalDpi xmlns:a14="http://schemas.microsoft.com/office/drawing/2010/main" val="0"/>
+                </a:ext>
+              </a:extLst>
+            </a:blip>
+            <a:srcRect l="33757" t="29344" r="33474" b="10319"/>
+            <a:stretch/>
+          </p:blipFill>
+          <p:spPr>
+            <a:xfrm>
+              <a:off x="5410197" y="3090188"/>
+              <a:ext cx="3857862" cy="1555686"/>
+            </a:xfrm>
+            <a:prstGeom prst="rect">
+              <a:avLst/>
+            </a:prstGeom>
+          </p:spPr>
+        </p:pic>
+        <p:pic>
+          <p:nvPicPr>
+            <p:cNvPr id="12" name="Picture 11">
+              <a:extLst>
+                <a:ext uri="{FF2B5EF4-FFF2-40B4-BE49-F238E27FC236}">
+                  <a16:creationId xmlns:a16="http://schemas.microsoft.com/office/drawing/2014/main" id="{DEAA8E80-D140-4C7E-BE8B-029783B834F6}"/>
+                </a:ext>
+              </a:extLst>
+            </p:cNvPr>
+            <p:cNvPicPr>
+              <a:picLocks noChangeAspect="1"/>
+            </p:cNvPicPr>
+            <p:nvPr/>
+          </p:nvPicPr>
+          <p:blipFill rotWithShape="1">
+            <a:blip r:embed="rId3">
+              <a:extLst>
+                <a:ext uri="{28A0092B-C50C-407E-A947-70E740481C1C}">
+                  <a14:useLocalDpi xmlns:a14="http://schemas.microsoft.com/office/drawing/2010/main" val="0"/>
+                </a:ext>
+              </a:extLst>
+            </a:blip>
+            <a:srcRect l="64830" t="25816" r="2402" b="3869"/>
+            <a:stretch/>
+          </p:blipFill>
+          <p:spPr>
+            <a:xfrm>
+              <a:off x="5410197" y="4775920"/>
+              <a:ext cx="3857745" cy="1812950"/>
+            </a:xfrm>
+            <a:prstGeom prst="rect">
+              <a:avLst/>
+            </a:prstGeom>
+          </p:spPr>
+        </p:pic>
+      </p:grpSp>
+    </p:spTree>
+    <p:extLst>
+      <p:ext uri="{BB962C8B-B14F-4D97-AF65-F5344CB8AC3E}">
+        <p14:creationId xmlns:p14="http://schemas.microsoft.com/office/powerpoint/2010/main" val="765844813"/>
+      </p:ext>
+    </p:extLst>
+  </p:cSld>
+  <p:clrMapOvr>
+    <a:masterClrMapping/>
+  </p:clrMapOvr>
+</p:sld>
+</file>
+
+<file path=ppt/slides/slide5.xml><?xml version="1.0" encoding="utf-8"?>
+<p:sld xmlns:a="http://schemas.openxmlformats.org/drawingml/2006/main" xmlns:r="http://schemas.openxmlformats.org/officeDocument/2006/relationships" xmlns:p="http://schemas.openxmlformats.org/presentationml/2006/main">
+  <p:cSld>
+    <p:spTree>
+      <p:nvGrpSpPr>
+        <p:cNvPr id="1" name=""/>
+        <p:cNvGrpSpPr/>
+        <p:nvPr/>
+      </p:nvGrpSpPr>
+      <p:grpSpPr>
+        <a:xfrm>
+          <a:off x="0" y="0"/>
+          <a:ext cx="0" cy="0"/>
+          <a:chOff x="0" y="0"/>
+          <a:chExt cx="0" cy="0"/>
+        </a:xfrm>
+      </p:grpSpPr>
+      <p:pic>
+        <p:nvPicPr>
+          <p:cNvPr id="7" name="Picture 6">
+            <a:extLst>
+              <a:ext uri="{FF2B5EF4-FFF2-40B4-BE49-F238E27FC236}">
+                <a16:creationId xmlns:a16="http://schemas.microsoft.com/office/drawing/2014/main" id="{22CA2345-3258-41FC-B794-AE01D464761D}"/>
+              </a:ext>
+            </a:extLst>
+          </p:cNvPr>
+          <p:cNvPicPr>
+            <a:picLocks noChangeAspect="1"/>
+          </p:cNvPicPr>
+          <p:nvPr/>
+        </p:nvPicPr>
+        <p:blipFill>
+          <a:blip r:embed="rId2"/>
+          <a:stretch>
+            <a:fillRect/>
+          </a:stretch>
+        </p:blipFill>
+        <p:spPr>
+          <a:xfrm>
+            <a:off x="221255" y="472139"/>
+            <a:ext cx="11749490" cy="4601884"/>
+          </a:xfrm>
+          <a:prstGeom prst="rect">
+            <a:avLst/>
+          </a:prstGeom>
+        </p:spPr>
+      </p:pic>
+      <p:sp>
+        <p:nvSpPr>
+          <p:cNvPr id="8" name="TextBox 7">
+            <a:hlinkClick r:id="rId3"/>
+            <a:extLst>
+              <a:ext uri="{FF2B5EF4-FFF2-40B4-BE49-F238E27FC236}">
+                <a16:creationId xmlns:a16="http://schemas.microsoft.com/office/drawing/2014/main" id="{6ED023B7-3010-4854-965B-C538CD6620A4}"/>
+              </a:ext>
+            </a:extLst>
+          </p:cNvPr>
+          <p:cNvSpPr txBox="1"/>
+          <p:nvPr/>
+        </p:nvSpPr>
+        <p:spPr>
+          <a:xfrm>
+            <a:off x="376517" y="5983959"/>
+            <a:ext cx="1290918" cy="523220"/>
+          </a:xfrm>
+          <a:prstGeom prst="rect">
+            <a:avLst/>
+          </a:prstGeom>
+          <a:noFill/>
+        </p:spPr>
+        <p:txBody>
+          <a:bodyPr wrap="square">
+            <a:spAutoFit/>
+          </a:bodyPr>
+          <a:lstStyle/>
+          <a:p>
+            <a:r>
+              <a:rPr lang="en-US" sz="2800" dirty="0">
+                <a:hlinkClick r:id="rId3"/>
+              </a:rPr>
+              <a:t>Source</a:t>
+            </a:r>
+            <a:endParaRPr lang="en-US" sz="2800" dirty="0"/>
+          </a:p>
+        </p:txBody>
+      </p:sp>
+    </p:spTree>
+    <p:extLst>
+      <p:ext uri="{BB962C8B-B14F-4D97-AF65-F5344CB8AC3E}">
+        <p14:creationId xmlns:p14="http://schemas.microsoft.com/office/powerpoint/2010/main" val="4051947113"/>
+      </p:ext>
+    </p:extLst>
+  </p:cSld>
+  <p:clrMapOvr>
+    <a:masterClrMapping/>
+  </p:clrMapOvr>
+</p:sld>
+</file>
+
+<file path=ppt/slides/slide6.xml><?xml version="1.0" encoding="utf-8"?>
+<p:sld xmlns:a="http://schemas.openxmlformats.org/drawingml/2006/main" xmlns:r="http://schemas.openxmlformats.org/officeDocument/2006/relationships" xmlns:p="http://schemas.openxmlformats.org/presentationml/2006/main">
+  <p:cSld>
+    <p:spTree>
+      <p:nvGrpSpPr>
+        <p:cNvPr id="1" name=""/>
+        <p:cNvGrpSpPr/>
+        <p:nvPr/>
+      </p:nvGrpSpPr>
+      <p:grpSpPr>
+        <a:xfrm>
+          <a:off x="0" y="0"/>
+          <a:ext cx="0" cy="0"/>
+          <a:chOff x="0" y="0"/>
+          <a:chExt cx="0" cy="0"/>
+        </a:xfrm>
+      </p:grpSpPr>
+      <p:pic>
+        <p:nvPicPr>
+          <p:cNvPr id="1026" name="Picture 2">
+            <a:extLst>
+              <a:ext uri="{FF2B5EF4-FFF2-40B4-BE49-F238E27FC236}">
+                <a16:creationId xmlns:a16="http://schemas.microsoft.com/office/drawing/2014/main" id="{989394C9-0947-4C06-9078-F8B707C0349B}"/>
+              </a:ext>
+            </a:extLst>
+          </p:cNvPr>
+          <p:cNvPicPr>
+            <a:picLocks noChangeAspect="1" noChangeArrowheads="1"/>
+          </p:cNvPicPr>
+          <p:nvPr/>
+        </p:nvPicPr>
+        <p:blipFill rotWithShape="1">
+          <a:blip r:embed="rId2">
+            <a:extLst>
+              <a:ext uri="{28A0092B-C50C-407E-A947-70E740481C1C}">
+                <a14:useLocalDpi xmlns:a14="http://schemas.microsoft.com/office/drawing/2010/main" val="0"/>
+              </a:ext>
+            </a:extLst>
+          </a:blip>
+          <a:srcRect l="16869" t="17330" r="16655" b="20376"/>
+          <a:stretch/>
+        </p:blipFill>
+        <p:spPr bwMode="auto">
+          <a:xfrm>
+            <a:off x="2756290" y="112059"/>
+            <a:ext cx="9435710" cy="6633882"/>
+          </a:xfrm>
+          <a:prstGeom prst="rect">
+            <a:avLst/>
+          </a:prstGeom>
+          <a:noFill/>
+          <a:extLst>
+            <a:ext uri="{909E8E84-426E-40DD-AFC4-6F175D3DCCD1}">
+              <a14:hiddenFill xmlns:a14="http://schemas.microsoft.com/office/drawing/2010/main">
+                <a:solidFill>
+                  <a:srgbClr val="FFFFFF"/>
+                </a:solidFill>
+              </a14:hiddenFill>
+            </a:ext>
+          </a:extLst>
+        </p:spPr>
+      </p:pic>
+      <p:sp>
+        <p:nvSpPr>
+          <p:cNvPr id="7" name="Subtitle 2">
+            <a:extLst>
+              <a:ext uri="{FF2B5EF4-FFF2-40B4-BE49-F238E27FC236}">
+                <a16:creationId xmlns:a16="http://schemas.microsoft.com/office/drawing/2014/main" id="{C04536B8-911A-479F-B9C7-33471F6EF833}"/>
+              </a:ext>
+            </a:extLst>
+          </p:cNvPr>
+          <p:cNvSpPr txBox="1">
+            <a:spLocks/>
+          </p:cNvSpPr>
+          <p:nvPr/>
+        </p:nvSpPr>
+        <p:spPr>
+          <a:xfrm>
+            <a:off x="322728" y="2638005"/>
+            <a:ext cx="1990165" cy="1581990"/>
+          </a:xfrm>
+          <a:prstGeom prst="rect">
+            <a:avLst/>
+          </a:prstGeom>
+        </p:spPr>
+        <p:txBody>
+          <a:bodyPr vert="horz" lIns="91440" tIns="45720" rIns="91440" bIns="45720" rtlCol="0">
+            <a:normAutofit/>
+          </a:bodyPr>
+          <a:lstStyle>
+            <a:lvl1pPr marL="228600" indent="-228600" algn="l" defTabSz="914400" rtl="0" eaLnBrk="1" latinLnBrk="0" hangingPunct="1">
+              <a:lnSpc>
+                <a:spcPct val="90000"/>
+              </a:lnSpc>
+              <a:spcBef>
+                <a:spcPts val="1000"/>
+              </a:spcBef>
+              <a:buFont typeface="Arial" panose="020B0604020202020204" pitchFamily="34" charset="0"/>
+              <a:buChar char="•"/>
+              <a:defRPr sz="2800" kern="1200">
+                <a:solidFill>
+                  <a:schemeClr val="tx1"/>
+                </a:solidFill>
+                <a:latin typeface="+mn-lt"/>
+                <a:ea typeface="+mn-ea"/>
+                <a:cs typeface="+mn-cs"/>
+              </a:defRPr>
+            </a:lvl1pPr>
+            <a:lvl2pPr marL="685800" indent="-228600" algn="l" defTabSz="914400" rtl="0" eaLnBrk="1" latinLnBrk="0" hangingPunct="1">
+              <a:lnSpc>
+                <a:spcPct val="90000"/>
+              </a:lnSpc>
+              <a:spcBef>
+                <a:spcPts val="500"/>
+              </a:spcBef>
+              <a:buFont typeface="Arial" panose="020B0604020202020204" pitchFamily="34" charset="0"/>
+              <a:buChar char="•"/>
+              <a:defRPr sz="2400" kern="1200">
+                <a:solidFill>
+                  <a:schemeClr val="tx1"/>
+                </a:solidFill>
+                <a:latin typeface="+mn-lt"/>
+                <a:ea typeface="+mn-ea"/>
+                <a:cs typeface="+mn-cs"/>
+              </a:defRPr>
+            </a:lvl2pPr>
+            <a:lvl3pPr marL="1143000" indent="-228600" algn="l" defTabSz="914400" rtl="0" eaLnBrk="1" latinLnBrk="0" hangingPunct="1">
+              <a:lnSpc>
+                <a:spcPct val="90000"/>
+              </a:lnSpc>
+              <a:spcBef>
+                <a:spcPts val="500"/>
+              </a:spcBef>
+              <a:buFont typeface="Arial" panose="020B0604020202020204" pitchFamily="34" charset="0"/>
+              <a:buChar char="•"/>
+              <a:defRPr sz="2000" kern="1200">
+                <a:solidFill>
+                  <a:schemeClr val="tx1"/>
+                </a:solidFill>
+                <a:latin typeface="+mn-lt"/>
+                <a:ea typeface="+mn-ea"/>
+                <a:cs typeface="+mn-cs"/>
+              </a:defRPr>
+            </a:lvl3pPr>
+            <a:lvl4pPr marL="1600200" indent="-228600" algn="l" defTabSz="914400" rtl="0" eaLnBrk="1" latinLnBrk="0" hangingPunct="1">
+              <a:lnSpc>
+                <a:spcPct val="90000"/>
+              </a:lnSpc>
+              <a:spcBef>
+                <a:spcPts val="500"/>
+              </a:spcBef>
+              <a:buFont typeface="Arial" panose="020B0604020202020204" pitchFamily="34" charset="0"/>
+              <a:buChar char="•"/>
+              <a:defRPr sz="1800" kern="1200">
+                <a:solidFill>
+                  <a:schemeClr val="tx1"/>
+                </a:solidFill>
+                <a:latin typeface="+mn-lt"/>
+                <a:ea typeface="+mn-ea"/>
+                <a:cs typeface="+mn-cs"/>
+              </a:defRPr>
+            </a:lvl4pPr>
+            <a:lvl5pPr marL="2057400" indent="-228600" algn="l" defTabSz="914400" rtl="0" eaLnBrk="1" latinLnBrk="0" hangingPunct="1">
+              <a:lnSpc>
+                <a:spcPct val="90000"/>
+              </a:lnSpc>
+              <a:spcBef>
+                <a:spcPts val="500"/>
+              </a:spcBef>
+              <a:buFont typeface="Arial" panose="020B0604020202020204" pitchFamily="34" charset="0"/>
+              <a:buChar char="•"/>
+              <a:defRPr sz="1800" kern="1200">
+                <a:solidFill>
+                  <a:schemeClr val="tx1"/>
+                </a:solidFill>
+                <a:latin typeface="+mn-lt"/>
+                <a:ea typeface="+mn-ea"/>
+                <a:cs typeface="+mn-cs"/>
+              </a:defRPr>
+            </a:lvl5pPr>
+            <a:lvl6pPr marL="2514600" indent="-228600" algn="l" defTabSz="914400" rtl="0" eaLnBrk="1" latinLnBrk="0" hangingPunct="1">
+              <a:lnSpc>
+                <a:spcPct val="90000"/>
+              </a:lnSpc>
+              <a:spcBef>
+                <a:spcPts val="500"/>
+              </a:spcBef>
+              <a:buFont typeface="Arial" panose="020B0604020202020204" pitchFamily="34" charset="0"/>
+              <a:buChar char="•"/>
+              <a:defRPr sz="1800" kern="1200">
+                <a:solidFill>
+                  <a:schemeClr val="tx1"/>
+                </a:solidFill>
+                <a:latin typeface="+mn-lt"/>
+                <a:ea typeface="+mn-ea"/>
+                <a:cs typeface="+mn-cs"/>
+              </a:defRPr>
+            </a:lvl6pPr>
+            <a:lvl7pPr marL="2971800" indent="-228600" algn="l" defTabSz="914400" rtl="0" eaLnBrk="1" latinLnBrk="0" hangingPunct="1">
+              <a:lnSpc>
+                <a:spcPct val="90000"/>
+              </a:lnSpc>
+              <a:spcBef>
+                <a:spcPts val="500"/>
+              </a:spcBef>
+              <a:buFont typeface="Arial" panose="020B0604020202020204" pitchFamily="34" charset="0"/>
+              <a:buChar char="•"/>
+              <a:defRPr sz="1800" kern="1200">
+                <a:solidFill>
+                  <a:schemeClr val="tx1"/>
+                </a:solidFill>
+                <a:latin typeface="+mn-lt"/>
+                <a:ea typeface="+mn-ea"/>
+                <a:cs typeface="+mn-cs"/>
+              </a:defRPr>
+            </a:lvl7pPr>
+            <a:lvl8pPr marL="3429000" indent="-228600" algn="l" defTabSz="914400" rtl="0" eaLnBrk="1" latinLnBrk="0" hangingPunct="1">
+              <a:lnSpc>
+                <a:spcPct val="90000"/>
+              </a:lnSpc>
+              <a:spcBef>
+                <a:spcPts val="500"/>
+              </a:spcBef>
+              <a:buFont typeface="Arial" panose="020B0604020202020204" pitchFamily="34" charset="0"/>
+              <a:buChar char="•"/>
+              <a:defRPr sz="1800" kern="1200">
+                <a:solidFill>
+                  <a:schemeClr val="tx1"/>
+                </a:solidFill>
+                <a:latin typeface="+mn-lt"/>
+                <a:ea typeface="+mn-ea"/>
+                <a:cs typeface="+mn-cs"/>
+              </a:defRPr>
+            </a:lvl8pPr>
+            <a:lvl9pPr marL="3886200" indent="-228600" algn="l" defTabSz="914400" rtl="0" eaLnBrk="1" latinLnBrk="0" hangingPunct="1">
+              <a:lnSpc>
+                <a:spcPct val="90000"/>
+              </a:lnSpc>
+              <a:spcBef>
+                <a:spcPts val="500"/>
+              </a:spcBef>
+              <a:buFont typeface="Arial" panose="020B0604020202020204" pitchFamily="34" charset="0"/>
+              <a:buChar char="•"/>
+              <a:defRPr sz="1800" kern="1200">
+                <a:solidFill>
+                  <a:schemeClr val="tx1"/>
+                </a:solidFill>
+                <a:latin typeface="+mn-lt"/>
+                <a:ea typeface="+mn-ea"/>
+                <a:cs typeface="+mn-cs"/>
+              </a:defRPr>
+            </a:lvl9pPr>
+          </a:lstStyle>
+          <a:p>
+            <a:pPr marL="0" indent="0">
               <a:buNone/>
             </a:pPr>
             <a:r>
@@ -4110,7 +4918,7 @@
 </p:sld>
 </file>
 
-<file path=ppt/slides/slide6.xml><?xml version="1.0" encoding="utf-8"?>
+<file path=ppt/slides/slide7.xml><?xml version="1.0" encoding="utf-8"?>
 <p:sld xmlns:a="http://schemas.openxmlformats.org/drawingml/2006/main" xmlns:r="http://schemas.openxmlformats.org/officeDocument/2006/relationships" xmlns:p="http://schemas.openxmlformats.org/presentationml/2006/main">
   <p:cSld>
     <p:spTree>
@@ -4169,7 +4977,7 @@
 </p:sld>
 </file>
 
-<file path=ppt/slides/slide7.xml><?xml version="1.0" encoding="utf-8"?>
+<file path=ppt/slides/slide8.xml><?xml version="1.0" encoding="utf-8"?>
 <p:sld xmlns:a="http://schemas.openxmlformats.org/drawingml/2006/main" xmlns:r="http://schemas.openxmlformats.org/officeDocument/2006/relationships" xmlns:p="http://schemas.openxmlformats.org/presentationml/2006/main">
   <p:cSld>
     <p:spTree>
@@ -4207,7 +5015,7 @@
         </p:blipFill>
         <p:spPr>
           <a:xfrm>
-            <a:off x="515470" y="0"/>
+            <a:off x="515470" y="160288"/>
             <a:ext cx="11161060" cy="6537423"/>
           </a:xfrm>
           <a:prstGeom prst="rect">
@@ -4229,7 +5037,7 @@
         </p:nvSpPr>
         <p:spPr>
           <a:xfrm>
-            <a:off x="1004047" y="197224"/>
+            <a:off x="1004047" y="321049"/>
             <a:ext cx="9018494" cy="2510117"/>
           </a:xfrm>
           <a:prstGeom prst="rect">
@@ -4280,7 +5088,7 @@
 </p:sld>
 </file>
 
-<file path=ppt/slides/slide8.xml><?xml version="1.0" encoding="utf-8"?>
+<file path=ppt/slides/slide9.xml><?xml version="1.0" encoding="utf-8"?>
 <p:sld xmlns:a="http://schemas.openxmlformats.org/drawingml/2006/main" xmlns:r="http://schemas.openxmlformats.org/officeDocument/2006/relationships" xmlns:p="http://schemas.openxmlformats.org/presentationml/2006/main">
   <p:cSld>
     <p:spTree>
@@ -4319,7 +5127,9 @@
           <a:lstStyle/>
           <a:p>
             <a:r>
-              <a:rPr lang="en-US" dirty="0"/>
+              <a:rPr lang="en-US" dirty="0">
+                <a:latin typeface="Consolas" panose="020B0609020204030204" pitchFamily="49" charset="0"/>
+              </a:rPr>
               <a:t>DQM Equations</a:t>
             </a:r>
           </a:p>
@@ -4327,10 +5137,10 @@
       </p:sp>
       <p:pic>
         <p:nvPicPr>
-          <p:cNvPr id="5" name="Picture 4">
-            <a:extLst>
-              <a:ext uri="{FF2B5EF4-FFF2-40B4-BE49-F238E27FC236}">
-                <a16:creationId xmlns:a16="http://schemas.microsoft.com/office/drawing/2014/main" id="{016555F0-8F1F-4FC9-8374-6A4031275D4C}"/>
+          <p:cNvPr id="7" name="Picture 6">
+            <a:extLst>
+              <a:ext uri="{FF2B5EF4-FFF2-40B4-BE49-F238E27FC236}">
+                <a16:creationId xmlns:a16="http://schemas.microsoft.com/office/drawing/2014/main" id="{1C297AEF-C065-4F62-9F21-79915E3CD21D}"/>
               </a:ext>
             </a:extLst>
           </p:cNvPr>
@@ -4353,20 +5163,166 @@
         </p:blipFill>
         <p:spPr>
           <a:xfrm>
-            <a:off x="814643" y="4419249"/>
-            <a:ext cx="10971782" cy="1241813"/>
+            <a:off x="2677362" y="2132661"/>
+            <a:ext cx="6837275" cy="1139546"/>
           </a:xfrm>
           <a:prstGeom prst="rect">
             <a:avLst/>
           </a:prstGeom>
         </p:spPr>
       </p:pic>
+      <p:sp>
+        <p:nvSpPr>
+          <p:cNvPr id="12" name="TextBox 11">
+            <a:extLst>
+              <a:ext uri="{FF2B5EF4-FFF2-40B4-BE49-F238E27FC236}">
+                <a16:creationId xmlns:a16="http://schemas.microsoft.com/office/drawing/2014/main" id="{047F87A7-4A25-491D-A1F6-77659E019A20}"/>
+              </a:ext>
+            </a:extLst>
+          </p:cNvPr>
+          <p:cNvSpPr txBox="1"/>
+          <p:nvPr/>
+        </p:nvSpPr>
+        <p:spPr>
+          <a:xfrm>
+            <a:off x="5189649" y="3318738"/>
+            <a:ext cx="1387011" cy="646331"/>
+          </a:xfrm>
+          <a:prstGeom prst="rect">
+            <a:avLst/>
+          </a:prstGeom>
+          <a:noFill/>
+        </p:spPr>
+        <p:txBody>
+          <a:bodyPr wrap="square" rtlCol="0">
+            <a:spAutoFit/>
+          </a:bodyPr>
+          <a:lstStyle/>
+          <a:p>
+            <a:pPr algn="ctr"/>
+            <a:r>
+              <a:rPr lang="en-US" dirty="0"/>
+              <a:t>Lagrange Parameter</a:t>
+            </a:r>
+          </a:p>
+        </p:txBody>
+      </p:sp>
+      <p:sp>
+        <p:nvSpPr>
+          <p:cNvPr id="6" name="TextBox 5">
+            <a:extLst>
+              <a:ext uri="{FF2B5EF4-FFF2-40B4-BE49-F238E27FC236}">
+                <a16:creationId xmlns:a16="http://schemas.microsoft.com/office/drawing/2014/main" id="{6BBC8882-352B-4881-99B2-9F54EBFBFDD0}"/>
+              </a:ext>
+            </a:extLst>
+          </p:cNvPr>
+          <p:cNvSpPr txBox="1"/>
+          <p:nvPr/>
+        </p:nvSpPr>
+        <p:spPr>
+          <a:xfrm>
+            <a:off x="3294174" y="3398510"/>
+            <a:ext cx="1387011" cy="369332"/>
+          </a:xfrm>
+          <a:prstGeom prst="rect">
+            <a:avLst/>
+          </a:prstGeom>
+          <a:noFill/>
+        </p:spPr>
+        <p:txBody>
+          <a:bodyPr wrap="square" rtlCol="0">
+            <a:spAutoFit/>
+          </a:bodyPr>
+          <a:lstStyle/>
+          <a:p>
+            <a:pPr algn="ctr"/>
+            <a:r>
+              <a:rPr lang="en-US" dirty="0"/>
+              <a:t>Obj function</a:t>
+            </a:r>
+          </a:p>
+        </p:txBody>
+      </p:sp>
+      <p:sp>
+        <p:nvSpPr>
+          <p:cNvPr id="8" name="TextBox 7">
+            <a:extLst>
+              <a:ext uri="{FF2B5EF4-FFF2-40B4-BE49-F238E27FC236}">
+                <a16:creationId xmlns:a16="http://schemas.microsoft.com/office/drawing/2014/main" id="{2117055B-F9A3-4A4D-A573-C501597A9EB8}"/>
+              </a:ext>
+            </a:extLst>
+          </p:cNvPr>
+          <p:cNvSpPr txBox="1"/>
+          <p:nvPr/>
+        </p:nvSpPr>
+        <p:spPr>
+          <a:xfrm>
+            <a:off x="7085124" y="3358563"/>
+            <a:ext cx="1923622" cy="646331"/>
+          </a:xfrm>
+          <a:prstGeom prst="rect">
+            <a:avLst/>
+          </a:prstGeom>
+          <a:noFill/>
+        </p:spPr>
+        <p:txBody>
+          <a:bodyPr wrap="square" rtlCol="0">
+            <a:spAutoFit/>
+          </a:bodyPr>
+          <a:lstStyle/>
+          <a:p>
+            <a:pPr algn="ctr"/>
+            <a:r>
+              <a:rPr lang="en-US" dirty="0"/>
+              <a:t>Close as possible to Max Weight</a:t>
+            </a:r>
+          </a:p>
+        </p:txBody>
+      </p:sp>
+      <p:sp>
+        <p:nvSpPr>
+          <p:cNvPr id="9" name="TextBox 8">
+            <a:extLst>
+              <a:ext uri="{FF2B5EF4-FFF2-40B4-BE49-F238E27FC236}">
+                <a16:creationId xmlns:a16="http://schemas.microsoft.com/office/drawing/2014/main" id="{F1F01AE3-52D4-4EA3-A43B-D516B736C962}"/>
+              </a:ext>
+            </a:extLst>
+          </p:cNvPr>
+          <p:cNvSpPr txBox="1"/>
+          <p:nvPr/>
+        </p:nvSpPr>
+        <p:spPr>
+          <a:xfrm>
+            <a:off x="644222" y="4376363"/>
+            <a:ext cx="2918128" cy="523220"/>
+          </a:xfrm>
+          <a:prstGeom prst="rect">
+            <a:avLst/>
+          </a:prstGeom>
+          <a:noFill/>
+        </p:spPr>
+        <p:txBody>
+          <a:bodyPr wrap="square" rtlCol="0">
+            <a:spAutoFit/>
+          </a:bodyPr>
+          <a:lstStyle/>
+          <a:p>
+            <a:pPr algn="ctr"/>
+            <a:r>
+              <a:rPr lang="en-US" sz="2800" dirty="0">
+                <a:latin typeface="Consolas" panose="020B0609020204030204" pitchFamily="49" charset="0"/>
+              </a:rPr>
+              <a:t>Expanded Form</a:t>
+            </a:r>
+          </a:p>
+        </p:txBody>
+      </p:sp>
       <p:pic>
         <p:nvPicPr>
-          <p:cNvPr id="7" name="Picture 6">
-            <a:extLst>
-              <a:ext uri="{FF2B5EF4-FFF2-40B4-BE49-F238E27FC236}">
-                <a16:creationId xmlns:a16="http://schemas.microsoft.com/office/drawing/2014/main" id="{1C297AEF-C065-4F62-9F21-79915E3CD21D}"/>
+          <p:cNvPr id="4" name="Picture 3">
+            <a:extLst>
+              <a:ext uri="{FF2B5EF4-FFF2-40B4-BE49-F238E27FC236}">
+                <a16:creationId xmlns:a16="http://schemas.microsoft.com/office/drawing/2014/main" id="{174B397C-8665-499B-9E74-DC99C1A0F357}"/>
               </a:ext>
             </a:extLst>
           </p:cNvPr>
@@ -4389,50 +5345,14 @@
         </p:blipFill>
         <p:spPr>
           <a:xfrm>
-            <a:off x="405574" y="1690688"/>
-            <a:ext cx="6837275" cy="1139546"/>
+            <a:off x="838200" y="5069225"/>
+            <a:ext cx="10416791" cy="1139546"/>
           </a:xfrm>
           <a:prstGeom prst="rect">
             <a:avLst/>
           </a:prstGeom>
         </p:spPr>
       </p:pic>
-      <p:sp>
-        <p:nvSpPr>
-          <p:cNvPr id="12" name="TextBox 11">
-            <a:extLst>
-              <a:ext uri="{FF2B5EF4-FFF2-40B4-BE49-F238E27FC236}">
-                <a16:creationId xmlns:a16="http://schemas.microsoft.com/office/drawing/2014/main" id="{047F87A7-4A25-491D-A1F6-77659E019A20}"/>
-              </a:ext>
-            </a:extLst>
-          </p:cNvPr>
-          <p:cNvSpPr txBox="1"/>
-          <p:nvPr/>
-        </p:nvSpPr>
-        <p:spPr>
-          <a:xfrm>
-            <a:off x="2917861" y="2876765"/>
-            <a:ext cx="1387011" cy="646331"/>
-          </a:xfrm>
-          <a:prstGeom prst="rect">
-            <a:avLst/>
-          </a:prstGeom>
-          <a:noFill/>
-        </p:spPr>
-        <p:txBody>
-          <a:bodyPr wrap="square" rtlCol="0">
-            <a:spAutoFit/>
-          </a:bodyPr>
-          <a:lstStyle/>
-          <a:p>
-            <a:pPr algn="ctr"/>
-            <a:r>
-              <a:rPr lang="en-US" dirty="0"/>
-              <a:t>Lagrange Parameter</a:t>
-            </a:r>
-          </a:p>
-        </p:txBody>
-      </p:sp>
     </p:spTree>
     <p:extLst>
       <p:ext uri="{BB962C8B-B14F-4D97-AF65-F5344CB8AC3E}">
